--- a/DemoBackBone/src/main/resources/Slide/Backbone.pptx
+++ b/DemoBackBone/src/main/resources/Slide/Backbone.pptx
@@ -26,7 +26,7 @@
     <p:sldId id="275" r:id="rId20"/>
     <p:sldId id="276" r:id="rId21"/>
     <p:sldId id="277" r:id="rId22"/>
-    <p:sldId id="278" r:id="rId23"/>
+    <p:sldId id="279" r:id="rId23"/>
   </p:sldIdLst>
   <p:sldSz cx="9144000" cy="6858000" type="screen4x3"/>
   <p:notesSz cx="6858000" cy="9144000"/>
@@ -314,7 +314,7 @@
             <a:fld id="{D763724C-E7A2-4A6D-A4BD-CDB6C1C03172}" type="datetimeFigureOut">
               <a:rPr lang="en-US" smtClean="0"/>
               <a:pPr/>
-              <a:t>5/7/2015</a:t>
+              <a:t>5/13/2015</a:t>
             </a:fld>
             <a:endParaRPr lang="en-US"/>
           </a:p>
@@ -481,7 +481,7 @@
             <a:fld id="{D763724C-E7A2-4A6D-A4BD-CDB6C1C03172}" type="datetimeFigureOut">
               <a:rPr lang="en-US" smtClean="0"/>
               <a:pPr/>
-              <a:t>5/7/2015</a:t>
+              <a:t>5/13/2015</a:t>
             </a:fld>
             <a:endParaRPr lang="en-US"/>
           </a:p>
@@ -658,7 +658,7 @@
             <a:fld id="{D763724C-E7A2-4A6D-A4BD-CDB6C1C03172}" type="datetimeFigureOut">
               <a:rPr lang="en-US" smtClean="0"/>
               <a:pPr/>
-              <a:t>5/7/2015</a:t>
+              <a:t>5/13/2015</a:t>
             </a:fld>
             <a:endParaRPr lang="en-US"/>
           </a:p>
@@ -825,7 +825,7 @@
             <a:fld id="{D763724C-E7A2-4A6D-A4BD-CDB6C1C03172}" type="datetimeFigureOut">
               <a:rPr lang="en-US" smtClean="0"/>
               <a:pPr/>
-              <a:t>5/7/2015</a:t>
+              <a:t>5/13/2015</a:t>
             </a:fld>
             <a:endParaRPr lang="en-US"/>
           </a:p>
@@ -1068,7 +1068,7 @@
             <a:fld id="{D763724C-E7A2-4A6D-A4BD-CDB6C1C03172}" type="datetimeFigureOut">
               <a:rPr lang="en-US" smtClean="0"/>
               <a:pPr/>
-              <a:t>5/7/2015</a:t>
+              <a:t>5/13/2015</a:t>
             </a:fld>
             <a:endParaRPr lang="en-US"/>
           </a:p>
@@ -1353,7 +1353,7 @@
             <a:fld id="{D763724C-E7A2-4A6D-A4BD-CDB6C1C03172}" type="datetimeFigureOut">
               <a:rPr lang="en-US" smtClean="0"/>
               <a:pPr/>
-              <a:t>5/7/2015</a:t>
+              <a:t>5/13/2015</a:t>
             </a:fld>
             <a:endParaRPr lang="en-US"/>
           </a:p>
@@ -1772,7 +1772,7 @@
             <a:fld id="{D763724C-E7A2-4A6D-A4BD-CDB6C1C03172}" type="datetimeFigureOut">
               <a:rPr lang="en-US" smtClean="0"/>
               <a:pPr/>
-              <a:t>5/7/2015</a:t>
+              <a:t>5/13/2015</a:t>
             </a:fld>
             <a:endParaRPr lang="en-US"/>
           </a:p>
@@ -1887,7 +1887,7 @@
             <a:fld id="{D763724C-E7A2-4A6D-A4BD-CDB6C1C03172}" type="datetimeFigureOut">
               <a:rPr lang="en-US" smtClean="0"/>
               <a:pPr/>
-              <a:t>5/7/2015</a:t>
+              <a:t>5/13/2015</a:t>
             </a:fld>
             <a:endParaRPr lang="en-US"/>
           </a:p>
@@ -1979,7 +1979,7 @@
             <a:fld id="{D763724C-E7A2-4A6D-A4BD-CDB6C1C03172}" type="datetimeFigureOut">
               <a:rPr lang="en-US" smtClean="0"/>
               <a:pPr/>
-              <a:t>5/7/2015</a:t>
+              <a:t>5/13/2015</a:t>
             </a:fld>
             <a:endParaRPr lang="en-US"/>
           </a:p>
@@ -2253,7 +2253,7 @@
             <a:fld id="{D763724C-E7A2-4A6D-A4BD-CDB6C1C03172}" type="datetimeFigureOut">
               <a:rPr lang="en-US" smtClean="0"/>
               <a:pPr/>
-              <a:t>5/7/2015</a:t>
+              <a:t>5/13/2015</a:t>
             </a:fld>
             <a:endParaRPr lang="en-US"/>
           </a:p>
@@ -2507,7 +2507,7 @@
             <a:fld id="{D763724C-E7A2-4A6D-A4BD-CDB6C1C03172}" type="datetimeFigureOut">
               <a:rPr lang="en-US" smtClean="0"/>
               <a:pPr/>
-              <a:t>5/7/2015</a:t>
+              <a:t>5/13/2015</a:t>
             </a:fld>
             <a:endParaRPr lang="en-US"/>
           </a:p>
@@ -2717,7 +2717,7 @@
             <a:fld id="{D763724C-E7A2-4A6D-A4BD-CDB6C1C03172}" type="datetimeFigureOut">
               <a:rPr lang="en-US" smtClean="0"/>
               <a:pPr/>
-              <a:t>5/7/2015</a:t>
+              <a:t>5/13/2015</a:t>
             </a:fld>
             <a:endParaRPr lang="en-US" dirty="0"/>
           </a:p>
@@ -3088,47 +3088,67 @@
           <a:chExt cx="0" cy="0"/>
         </a:xfrm>
       </p:grpSpPr>
-      <p:sp>
-        <p:nvSpPr>
-          <p:cNvPr id="2" name="Title 1"/>
-          <p:cNvSpPr>
-            <a:spLocks noGrp="1"/>
-          </p:cNvSpPr>
-          <p:nvPr>
-            <p:ph type="ctrTitle"/>
-          </p:nvPr>
-        </p:nvSpPr>
-        <p:spPr/>
-        <p:txBody>
-          <a:bodyPr/>
+      <p:pic>
+        <p:nvPicPr>
+          <p:cNvPr id="22530" name="Picture 2" descr="Backbone.js"/>
+          <p:cNvPicPr>
+            <a:picLocks noChangeAspect="1" noChangeArrowheads="1"/>
+          </p:cNvPicPr>
+          <p:nvPr/>
+        </p:nvPicPr>
+        <p:blipFill>
+          <a:blip r:embed="rId2" cstate="print"/>
+          <a:srcRect/>
+          <a:stretch>
+            <a:fillRect/>
+          </a:stretch>
+        </p:blipFill>
+        <p:spPr bwMode="auto">
+          <a:xfrm>
+            <a:off x="290513" y="1828800"/>
+            <a:ext cx="8562975" cy="1524001"/>
+          </a:xfrm>
+          <a:prstGeom prst="rect">
+            <a:avLst/>
+          </a:prstGeom>
+          <a:noFill/>
+        </p:spPr>
+      </p:pic>
+      <p:sp>
+        <p:nvSpPr>
+          <p:cNvPr id="6" name="TextBox 5"/>
+          <p:cNvSpPr txBox="1"/>
+          <p:nvPr/>
+        </p:nvSpPr>
+        <p:spPr>
+          <a:xfrm>
+            <a:off x="3200400" y="3733800"/>
+            <a:ext cx="2743200" cy="369332"/>
+          </a:xfrm>
+          <a:prstGeom prst="rect">
+            <a:avLst/>
+          </a:prstGeom>
+          <a:noFill/>
+        </p:spPr>
+        <p:txBody>
+          <a:bodyPr wrap="square" rtlCol="0">
+            <a:spAutoFit/>
+          </a:bodyPr>
           <a:lstStyle/>
           <a:p>
             <a:r>
-              <a:rPr lang="en-US" b="1" dirty="0" smtClean="0"/>
-              <a:t>BACKBONE.JS</a:t>
-            </a:r>
-            <a:endParaRPr lang="en-US" b="1" dirty="0"/>
-          </a:p>
-        </p:txBody>
-      </p:sp>
-      <p:sp>
-        <p:nvSpPr>
-          <p:cNvPr id="3" name="Subtitle 2"/>
-          <p:cNvSpPr>
-            <a:spLocks noGrp="1"/>
-          </p:cNvSpPr>
-          <p:nvPr>
-            <p:ph type="subTitle" idx="1"/>
-          </p:nvPr>
-        </p:nvSpPr>
-        <p:spPr/>
-        <p:txBody>
-          <a:bodyPr/>
-          <a:lstStyle/>
-          <a:p>
-            <a:endParaRPr lang="en-US" dirty="0">
-              <a:latin typeface="+mj-lt"/>
-            </a:endParaRPr>
+              <a:rPr lang="en-US" dirty="0" smtClean="0">
+                <a:hlinkClick r:id="rId3"/>
+              </a:rPr>
+              <a:t>http://</a:t>
+            </a:r>
+            <a:r>
+              <a:rPr lang="en-US" dirty="0" smtClean="0">
+                <a:hlinkClick r:id="rId3"/>
+              </a:rPr>
+              <a:t>backbonejs.org</a:t>
+            </a:r>
+            <a:endParaRPr lang="en-US" dirty="0"/>
           </a:p>
         </p:txBody>
       </p:sp>
@@ -3178,10 +3198,16 @@
           <a:lstStyle/>
           <a:p>
             <a:r>
-              <a:rPr lang="en-US" dirty="0" smtClean="0"/>
+              <a:rPr lang="en-US" dirty="0" smtClean="0">
+                <a:latin typeface="Times New Roman" pitchFamily="18" charset="0"/>
+                <a:cs typeface="Times New Roman" pitchFamily="18" charset="0"/>
+              </a:rPr>
               <a:t>Create collection</a:t>
             </a:r>
-            <a:endParaRPr lang="en-US" dirty="0"/>
+            <a:endParaRPr lang="en-US" dirty="0">
+              <a:latin typeface="Times New Roman" pitchFamily="18" charset="0"/>
+              <a:cs typeface="Times New Roman" pitchFamily="18" charset="0"/>
+            </a:endParaRPr>
           </a:p>
         </p:txBody>
       </p:sp>
@@ -3674,10 +3700,16 @@
           <a:lstStyle/>
           <a:p>
             <a:r>
-              <a:rPr lang="en-US" dirty="0" smtClean="0"/>
+              <a:rPr lang="en-US" dirty="0" smtClean="0">
+                <a:latin typeface="Times New Roman" pitchFamily="18" charset="0"/>
+                <a:cs typeface="Times New Roman" pitchFamily="18" charset="0"/>
+              </a:rPr>
               <a:t>Action with collection</a:t>
             </a:r>
-            <a:endParaRPr lang="en-US" dirty="0"/>
+            <a:endParaRPr lang="en-US" dirty="0">
+              <a:latin typeface="Times New Roman" pitchFamily="18" charset="0"/>
+              <a:cs typeface="Times New Roman" pitchFamily="18" charset="0"/>
+            </a:endParaRPr>
           </a:p>
         </p:txBody>
       </p:sp>
@@ -4179,10 +4211,16 @@
           <a:lstStyle/>
           <a:p>
             <a:r>
-              <a:rPr lang="en-US" dirty="0" smtClean="0"/>
+              <a:rPr lang="en-US" dirty="0" smtClean="0">
+                <a:latin typeface="Times New Roman" pitchFamily="18" charset="0"/>
+                <a:cs typeface="Times New Roman" pitchFamily="18" charset="0"/>
+              </a:rPr>
               <a:t>Action with collection</a:t>
             </a:r>
-            <a:endParaRPr lang="en-US" dirty="0"/>
+            <a:endParaRPr lang="en-US" dirty="0">
+              <a:latin typeface="Times New Roman" pitchFamily="18" charset="0"/>
+              <a:cs typeface="Times New Roman" pitchFamily="18" charset="0"/>
+            </a:endParaRPr>
           </a:p>
         </p:txBody>
       </p:sp>
@@ -4195,7 +4233,7 @@
         <p:spPr>
           <a:xfrm>
             <a:off x="914400" y="2057400"/>
-            <a:ext cx="7315200" cy="3693319"/>
+            <a:ext cx="7315200" cy="2585323"/>
           </a:xfrm>
           <a:prstGeom prst="rect">
             <a:avLst/>
@@ -4303,123 +4341,6 @@
             <a:endParaRPr lang="en-US" dirty="0" smtClean="0">
               <a:latin typeface="Consolas"/>
             </a:endParaRPr>
-          </a:p>
-          <a:p>
-            <a:r>
-              <a:rPr lang="en-US" dirty="0" smtClean="0">
-                <a:solidFill>
-                  <a:srgbClr val="3F7F5F"/>
-                </a:solidFill>
-                <a:latin typeface="Consolas"/>
-              </a:rPr>
-              <a:t>//reorder</a:t>
-            </a:r>
-          </a:p>
-          <a:p>
-            <a:r>
-              <a:rPr lang="en-US" dirty="0" err="1" smtClean="0">
-                <a:solidFill>
-                  <a:srgbClr val="000000"/>
-                </a:solidFill>
-                <a:latin typeface="Consolas"/>
-              </a:rPr>
-              <a:t>coworkers.comparator</a:t>
-            </a:r>
-            <a:r>
-              <a:rPr lang="en-US" dirty="0" smtClean="0">
-                <a:solidFill>
-                  <a:srgbClr val="000000"/>
-                </a:solidFill>
-                <a:latin typeface="Consolas"/>
-              </a:rPr>
-              <a:t> = </a:t>
-            </a:r>
-            <a:r>
-              <a:rPr lang="en-US" dirty="0" smtClean="0">
-                <a:solidFill>
-                  <a:srgbClr val="7F0055"/>
-                </a:solidFill>
-                <a:latin typeface="Consolas"/>
-              </a:rPr>
-              <a:t>function</a:t>
-            </a:r>
-            <a:r>
-              <a:rPr lang="en-US" dirty="0" smtClean="0">
-                <a:solidFill>
-                  <a:srgbClr val="000000"/>
-                </a:solidFill>
-                <a:latin typeface="Consolas"/>
-              </a:rPr>
-              <a:t>(model) {</a:t>
-            </a:r>
-          </a:p>
-          <a:p>
-            <a:pPr indent="400050"/>
-            <a:r>
-              <a:rPr lang="en-US" dirty="0" smtClean="0">
-                <a:solidFill>
-                  <a:srgbClr val="7F0055"/>
-                </a:solidFill>
-                <a:latin typeface="Consolas"/>
-              </a:rPr>
-              <a:t>return</a:t>
-            </a:r>
-            <a:r>
-              <a:rPr lang="en-US" dirty="0" smtClean="0">
-                <a:solidFill>
-                  <a:srgbClr val="000000"/>
-                </a:solidFill>
-                <a:latin typeface="Consolas"/>
-              </a:rPr>
-              <a:t> </a:t>
-            </a:r>
-            <a:r>
-              <a:rPr lang="en-US" dirty="0" err="1" smtClean="0">
-                <a:solidFill>
-                  <a:srgbClr val="000000"/>
-                </a:solidFill>
-                <a:latin typeface="Consolas"/>
-              </a:rPr>
-              <a:t>model.get</a:t>
-            </a:r>
-            <a:r>
-              <a:rPr lang="en-US" dirty="0" smtClean="0">
-                <a:solidFill>
-                  <a:srgbClr val="000000"/>
-                </a:solidFill>
-                <a:latin typeface="Consolas"/>
-              </a:rPr>
-              <a:t>(</a:t>
-            </a:r>
-            <a:r>
-              <a:rPr lang="en-US" dirty="0" smtClean="0">
-                <a:solidFill>
-                  <a:srgbClr val="2A00FF"/>
-                </a:solidFill>
-                <a:latin typeface="Consolas"/>
-              </a:rPr>
-              <a:t>'name'</a:t>
-            </a:r>
-            <a:r>
-              <a:rPr lang="en-US" dirty="0" smtClean="0">
-                <a:solidFill>
-                  <a:srgbClr val="000000"/>
-                </a:solidFill>
-                <a:latin typeface="Consolas"/>
-              </a:rPr>
-              <a:t>);</a:t>
-            </a:r>
-          </a:p>
-          <a:p>
-            <a:r>
-              <a:rPr lang="en-US" dirty="0" smtClean="0">
-                <a:solidFill>
-                  <a:srgbClr val="000000"/>
-                </a:solidFill>
-                <a:latin typeface="Consolas"/>
-              </a:rPr>
-              <a:t>};</a:t>
-            </a:r>
           </a:p>
           <a:p>
             <a:r>
@@ -4543,10 +4464,16 @@
           <a:lstStyle/>
           <a:p>
             <a:r>
-              <a:rPr lang="en-US" dirty="0" smtClean="0"/>
+              <a:rPr lang="en-US" dirty="0" smtClean="0">
+                <a:latin typeface="Times New Roman" pitchFamily="18" charset="0"/>
+                <a:cs typeface="Times New Roman" pitchFamily="18" charset="0"/>
+              </a:rPr>
               <a:t>Work with backend</a:t>
             </a:r>
-            <a:endParaRPr lang="en-US" dirty="0"/>
+            <a:endParaRPr lang="en-US" dirty="0">
+              <a:latin typeface="Times New Roman" pitchFamily="18" charset="0"/>
+              <a:cs typeface="Times New Roman" pitchFamily="18" charset="0"/>
+            </a:endParaRPr>
           </a:p>
         </p:txBody>
       </p:sp>
@@ -4559,7 +4486,7 @@
         <p:spPr>
           <a:xfrm>
             <a:off x="457200" y="2274838"/>
-            <a:ext cx="8229600" cy="2031325"/>
+            <a:ext cx="8229600" cy="2246769"/>
           </a:xfrm>
           <a:prstGeom prst="rect">
             <a:avLst/>
@@ -4572,7 +4499,7 @@
           <a:lstStyle/>
           <a:p>
             <a:r>
-              <a:rPr lang="en-US" dirty="0" smtClean="0">
+              <a:rPr lang="en-US" sz="2000" dirty="0" smtClean="0">
                 <a:solidFill>
                   <a:srgbClr val="3F7F5F"/>
                 </a:solidFill>
@@ -4583,7 +4510,7 @@
           </a:p>
           <a:p>
             <a:r>
-              <a:rPr lang="en-US" dirty="0" err="1" smtClean="0">
+              <a:rPr lang="en-US" sz="2000" dirty="0" err="1" smtClean="0">
                 <a:solidFill>
                   <a:srgbClr val="7F0055"/>
                 </a:solidFill>
@@ -4592,7 +4519,7 @@
               <a:t>var</a:t>
             </a:r>
             <a:r>
-              <a:rPr lang="en-US" dirty="0" smtClean="0">
+              <a:rPr lang="en-US" sz="2000" dirty="0" smtClean="0">
                 <a:solidFill>
                   <a:srgbClr val="000000"/>
                 </a:solidFill>
@@ -4601,7 +4528,7 @@
               <a:t> Coworkers = </a:t>
             </a:r>
             <a:r>
-              <a:rPr lang="en-US" dirty="0" err="1" smtClean="0">
+              <a:rPr lang="en-US" sz="2000" dirty="0" err="1" smtClean="0">
                 <a:solidFill>
                   <a:srgbClr val="000000"/>
                 </a:solidFill>
@@ -4610,7 +4537,7 @@
               <a:t>Backbone.Collection.extend</a:t>
             </a:r>
             <a:r>
-              <a:rPr lang="en-US" dirty="0" smtClean="0">
+              <a:rPr lang="en-US" sz="2000" dirty="0" smtClean="0">
                 <a:solidFill>
                   <a:srgbClr val="000000"/>
                 </a:solidFill>
@@ -4622,7 +4549,7 @@
           <a:p>
             <a:pPr indent="457200"/>
             <a:r>
-              <a:rPr lang="en-US" dirty="0" smtClean="0">
+              <a:rPr lang="en-US" sz="2000" dirty="0" smtClean="0">
                 <a:solidFill>
                   <a:srgbClr val="000000"/>
                 </a:solidFill>
@@ -4634,7 +4561,7 @@
           <a:p>
             <a:pPr indent="457200"/>
             <a:r>
-              <a:rPr lang="en-US" dirty="0" err="1" smtClean="0">
+              <a:rPr lang="en-US" sz="2000" dirty="0" err="1" smtClean="0">
                 <a:solidFill>
                   <a:srgbClr val="000000"/>
                 </a:solidFill>
@@ -4643,7 +4570,7 @@
               <a:t>url</a:t>
             </a:r>
             <a:r>
-              <a:rPr lang="en-US" dirty="0" smtClean="0">
+              <a:rPr lang="en-US" sz="2000" dirty="0" smtClean="0">
                 <a:solidFill>
                   <a:srgbClr val="000000"/>
                 </a:solidFill>
@@ -4652,7 +4579,7 @@
               <a:t>: </a:t>
             </a:r>
             <a:r>
-              <a:rPr lang="en-US" dirty="0" smtClean="0">
+              <a:rPr lang="en-US" sz="2000" dirty="0" smtClean="0">
                 <a:solidFill>
                   <a:srgbClr val="2A00FF"/>
                 </a:solidFill>
@@ -4661,7 +4588,7 @@
               <a:t>'</a:t>
             </a:r>
             <a:r>
-              <a:rPr lang="en-US" dirty="0" err="1" smtClean="0">
+              <a:rPr lang="en-US" sz="2000" dirty="0" err="1" smtClean="0">
                 <a:solidFill>
                   <a:srgbClr val="2A00FF"/>
                 </a:solidFill>
@@ -4670,7 +4597,7 @@
               <a:t>api</a:t>
             </a:r>
             <a:r>
-              <a:rPr lang="en-US" dirty="0" smtClean="0">
+              <a:rPr lang="en-US" sz="2000" dirty="0" smtClean="0">
                 <a:solidFill>
                   <a:srgbClr val="2A00FF"/>
                 </a:solidFill>
@@ -4681,7 +4608,7 @@
           </a:p>
           <a:p>
             <a:r>
-              <a:rPr lang="en-US" dirty="0" smtClean="0">
+              <a:rPr lang="en-US" sz="2000" dirty="0" smtClean="0">
                 <a:solidFill>
                   <a:srgbClr val="000000"/>
                 </a:solidFill>
@@ -4692,7 +4619,7 @@
           </a:p>
           <a:p>
             <a:r>
-              <a:rPr lang="en-US" dirty="0" err="1" smtClean="0">
+              <a:rPr lang="en-US" sz="2000" dirty="0" err="1" smtClean="0">
                 <a:solidFill>
                   <a:srgbClr val="7F0055"/>
                 </a:solidFill>
@@ -4701,7 +4628,7 @@
               <a:t>var</a:t>
             </a:r>
             <a:r>
-              <a:rPr lang="en-US" dirty="0" smtClean="0">
+              <a:rPr lang="en-US" sz="2000" dirty="0" smtClean="0">
                 <a:solidFill>
                   <a:srgbClr val="000000"/>
                 </a:solidFill>
@@ -4710,7 +4637,7 @@
               <a:t> coworkers = </a:t>
             </a:r>
             <a:r>
-              <a:rPr lang="en-US" dirty="0" smtClean="0">
+              <a:rPr lang="en-US" sz="2000" dirty="0" smtClean="0">
                 <a:solidFill>
                   <a:srgbClr val="7F0055"/>
                 </a:solidFill>
@@ -4719,7 +4646,7 @@
               <a:t>new</a:t>
             </a:r>
             <a:r>
-              <a:rPr lang="en-US" dirty="0" smtClean="0">
+              <a:rPr lang="en-US" sz="2000" dirty="0" smtClean="0">
                 <a:solidFill>
                   <a:srgbClr val="000000"/>
                 </a:solidFill>
@@ -4730,7 +4657,7 @@
           </a:p>
           <a:p>
             <a:r>
-              <a:rPr lang="en-US" dirty="0" err="1" smtClean="0">
+              <a:rPr lang="en-US" sz="2000" dirty="0" err="1" smtClean="0">
                 <a:solidFill>
                   <a:srgbClr val="000000"/>
                 </a:solidFill>
@@ -4739,7 +4666,7 @@
               <a:t>coworkers.fetch</a:t>
             </a:r>
             <a:r>
-              <a:rPr lang="en-US" dirty="0" smtClean="0">
+              <a:rPr lang="en-US" sz="2000" dirty="0" smtClean="0">
                 <a:solidFill>
                   <a:srgbClr val="000000"/>
                 </a:solidFill>
@@ -4747,7 +4674,7 @@
               </a:rPr>
               <a:t>();</a:t>
             </a:r>
-            <a:endParaRPr lang="en-US" dirty="0"/>
+            <a:endParaRPr lang="en-US" sz="2000" dirty="0"/>
           </a:p>
         </p:txBody>
       </p:sp>
@@ -4792,10 +4719,16 @@
           <a:lstStyle/>
           <a:p>
             <a:r>
-              <a:rPr lang="en-US" dirty="0" smtClean="0"/>
+              <a:rPr lang="en-US" b="1" dirty="0" smtClean="0">
+                <a:latin typeface="Times New Roman" pitchFamily="18" charset="0"/>
+                <a:cs typeface="Times New Roman" pitchFamily="18" charset="0"/>
+              </a:rPr>
               <a:t>VIEW</a:t>
             </a:r>
-            <a:endParaRPr lang="en-US" dirty="0"/>
+            <a:endParaRPr lang="en-US" b="1" dirty="0">
+              <a:latin typeface="Times New Roman" pitchFamily="18" charset="0"/>
+              <a:cs typeface="Times New Roman" pitchFamily="18" charset="0"/>
+            </a:endParaRPr>
           </a:p>
         </p:txBody>
       </p:sp>
@@ -4808,7 +4741,7 @@
         <p:spPr>
           <a:xfrm>
             <a:off x="1219200" y="1676400"/>
-            <a:ext cx="6706314" cy="1477328"/>
+            <a:ext cx="6706314" cy="1631216"/>
           </a:xfrm>
           <a:prstGeom prst="rect">
             <a:avLst/>
@@ -4820,106 +4753,128 @@
           </a:bodyPr>
           <a:lstStyle/>
           <a:p>
-            <a:r>
-              <a:rPr lang="en-US" b="1" dirty="0" smtClean="0">
+            <a:pPr algn="ctr"/>
+            <a:r>
+              <a:rPr lang="en-US" sz="2000" b="1" dirty="0" smtClean="0">
                 <a:solidFill>
                   <a:srgbClr val="7F0055"/>
                 </a:solidFill>
                 <a:highlight>
                   <a:srgbClr val="E8F2FE"/>
                 </a:highlight>
-                <a:latin typeface="Consolas"/>
+                <a:latin typeface="Times New Roman" pitchFamily="18" charset="0"/>
+                <a:cs typeface="Times New Roman" pitchFamily="18" charset="0"/>
               </a:rPr>
               <a:t>new</a:t>
             </a:r>
             <a:r>
-              <a:rPr lang="en-US" b="1" dirty="0" smtClean="0">
+              <a:rPr lang="en-US" sz="2000" b="1" dirty="0" smtClean="0">
                 <a:solidFill>
                   <a:srgbClr val="000000"/>
                 </a:solidFill>
                 <a:highlight>
                   <a:srgbClr val="E8F2FE"/>
                 </a:highlight>
-                <a:latin typeface="Consolas"/>
+                <a:latin typeface="Times New Roman" pitchFamily="18" charset="0"/>
+                <a:cs typeface="Times New Roman" pitchFamily="18" charset="0"/>
               </a:rPr>
               <a:t> </a:t>
             </a:r>
             <a:r>
-              <a:rPr lang="en-US" b="1" dirty="0" err="1" smtClean="0">
+              <a:rPr lang="en-US" sz="2000" b="1" dirty="0" err="1" smtClean="0">
                 <a:solidFill>
                   <a:srgbClr val="000000"/>
                 </a:solidFill>
                 <a:highlight>
                   <a:srgbClr val="E8F2FE"/>
                 </a:highlight>
-                <a:latin typeface="Consolas"/>
+                <a:latin typeface="Times New Roman" pitchFamily="18" charset="0"/>
+                <a:cs typeface="Times New Roman" pitchFamily="18" charset="0"/>
               </a:rPr>
               <a:t>Backbone.View</a:t>
             </a:r>
             <a:r>
-              <a:rPr lang="en-US" b="1" dirty="0" smtClean="0">
+              <a:rPr lang="en-US" sz="2000" b="1" dirty="0" smtClean="0">
                 <a:solidFill>
                   <a:srgbClr val="000000"/>
                 </a:solidFill>
                 <a:highlight>
                   <a:srgbClr val="E8F2FE"/>
                 </a:highlight>
-                <a:latin typeface="Consolas"/>
+                <a:latin typeface="Times New Roman" pitchFamily="18" charset="0"/>
+                <a:cs typeface="Times New Roman" pitchFamily="18" charset="0"/>
               </a:rPr>
               <a:t>()</a:t>
             </a:r>
           </a:p>
           <a:p>
-            <a:endParaRPr lang="en-US" b="1" dirty="0" smtClean="0">
+            <a:endParaRPr lang="en-US" sz="2000" b="1" dirty="0" smtClean="0">
               <a:solidFill>
                 <a:srgbClr val="000000"/>
               </a:solidFill>
               <a:highlight>
                 <a:srgbClr val="E8F2FE"/>
               </a:highlight>
-              <a:latin typeface="Consolas"/>
+              <a:latin typeface="Times New Roman" pitchFamily="18" charset="0"/>
+              <a:cs typeface="Times New Roman" pitchFamily="18" charset="0"/>
             </a:endParaRPr>
           </a:p>
           <a:p>
             <a:r>
-              <a:rPr lang="en-US" i="1" dirty="0" smtClean="0"/>
+              <a:rPr lang="en-US" sz="2000" i="1" dirty="0" smtClean="0">
+                <a:latin typeface="Times New Roman" pitchFamily="18" charset="0"/>
+                <a:cs typeface="Times New Roman" pitchFamily="18" charset="0"/>
+              </a:rPr>
               <a:t>Views are objects which do two things: </a:t>
             </a:r>
-            <a:endParaRPr lang="en-US" i="1" dirty="0" smtClean="0"/>
-          </a:p>
-          <a:p>
-            <a:pPr>
+          </a:p>
+          <a:p>
+            <a:pPr marL="115888" indent="168275">
               <a:buFont typeface="Arial" pitchFamily="34" charset="0"/>
               <a:buChar char="•"/>
             </a:pPr>
             <a:r>
-              <a:rPr lang="en-US" i="1" dirty="0" smtClean="0"/>
-              <a:t>D</a:t>
-            </a:r>
-            <a:r>
-              <a:rPr lang="en-US" i="1" dirty="0" smtClean="0"/>
-              <a:t>isplay </a:t>
-            </a:r>
-            <a:r>
-              <a:rPr lang="en-US" i="1" dirty="0" smtClean="0"/>
-              <a:t>data (most of the time models) and </a:t>
-            </a:r>
-            <a:endParaRPr lang="en-US" i="1" dirty="0" smtClean="0"/>
-          </a:p>
-          <a:p>
-            <a:pPr>
+              <a:rPr lang="en-US" sz="2000" i="1" dirty="0" smtClean="0">
+                <a:latin typeface="Times New Roman" pitchFamily="18" charset="0"/>
+                <a:cs typeface="Times New Roman" pitchFamily="18" charset="0"/>
+              </a:rPr>
+              <a:t>Display </a:t>
+            </a:r>
+            <a:r>
+              <a:rPr lang="en-US" sz="2000" i="1" dirty="0" smtClean="0">
+                <a:latin typeface="Times New Roman" pitchFamily="18" charset="0"/>
+                <a:cs typeface="Times New Roman" pitchFamily="18" charset="0"/>
+              </a:rPr>
+              <a:t>data</a:t>
+            </a:r>
+            <a:endParaRPr lang="en-US" sz="2000" i="1" dirty="0" smtClean="0">
+              <a:latin typeface="Times New Roman" pitchFamily="18" charset="0"/>
+              <a:cs typeface="Times New Roman" pitchFamily="18" charset="0"/>
+            </a:endParaRPr>
+          </a:p>
+          <a:p>
+            <a:pPr marL="115888" indent="168275">
               <a:buFont typeface="Arial" pitchFamily="34" charset="0"/>
               <a:buChar char="•"/>
             </a:pPr>
             <a:r>
-              <a:rPr lang="en-US" i="1" dirty="0" smtClean="0"/>
-              <a:t>Capture </a:t>
-            </a:r>
-            <a:r>
-              <a:rPr lang="en-US" i="1" dirty="0" smtClean="0"/>
-              <a:t>user interaction to trigger code.</a:t>
-            </a:r>
-            <a:endParaRPr lang="en-US" dirty="0"/>
+              <a:rPr lang="en-US" sz="2000" i="1" dirty="0" smtClean="0">
+                <a:latin typeface="Times New Roman" pitchFamily="18" charset="0"/>
+                <a:cs typeface="Times New Roman" pitchFamily="18" charset="0"/>
+              </a:rPr>
+              <a:t>Capture user interaction to trigger </a:t>
+            </a:r>
+            <a:r>
+              <a:rPr lang="en-US" sz="2000" i="1" dirty="0" smtClean="0">
+                <a:latin typeface="Times New Roman" pitchFamily="18" charset="0"/>
+                <a:cs typeface="Times New Roman" pitchFamily="18" charset="0"/>
+              </a:rPr>
+              <a:t>code</a:t>
+            </a:r>
+            <a:endParaRPr lang="en-US" sz="2000" dirty="0">
+              <a:latin typeface="Times New Roman" pitchFamily="18" charset="0"/>
+              <a:cs typeface="Times New Roman" pitchFamily="18" charset="0"/>
+            </a:endParaRPr>
           </a:p>
         </p:txBody>
       </p:sp>
@@ -4964,10 +4919,16 @@
           <a:lstStyle/>
           <a:p>
             <a:r>
-              <a:rPr lang="en-US" dirty="0" smtClean="0"/>
+              <a:rPr lang="en-US" dirty="0" smtClean="0">
+                <a:latin typeface="Times New Roman" pitchFamily="18" charset="0"/>
+                <a:cs typeface="Times New Roman" pitchFamily="18" charset="0"/>
+              </a:rPr>
               <a:t>Create view</a:t>
             </a:r>
-            <a:endParaRPr lang="en-US" dirty="0"/>
+            <a:endParaRPr lang="en-US" dirty="0">
+              <a:latin typeface="Times New Roman" pitchFamily="18" charset="0"/>
+              <a:cs typeface="Times New Roman" pitchFamily="18" charset="0"/>
+            </a:endParaRPr>
           </a:p>
         </p:txBody>
       </p:sp>
@@ -5306,10 +5267,16 @@
           <a:lstStyle/>
           <a:p>
             <a:r>
-              <a:rPr lang="en-US" dirty="0" smtClean="0"/>
+              <a:rPr lang="en-US" dirty="0" smtClean="0">
+                <a:latin typeface="Times New Roman" pitchFamily="18" charset="0"/>
+                <a:cs typeface="Times New Roman" pitchFamily="18" charset="0"/>
+              </a:rPr>
               <a:t>Display view</a:t>
             </a:r>
-            <a:endParaRPr lang="en-US" dirty="0"/>
+            <a:endParaRPr lang="en-US" dirty="0">
+              <a:latin typeface="Times New Roman" pitchFamily="18" charset="0"/>
+              <a:cs typeface="Times New Roman" pitchFamily="18" charset="0"/>
+            </a:endParaRPr>
           </a:p>
         </p:txBody>
       </p:sp>
@@ -5322,7 +5289,7 @@
         <p:spPr>
           <a:xfrm>
             <a:off x="685800" y="2967335"/>
-            <a:ext cx="7772400" cy="646331"/>
+            <a:ext cx="7772400" cy="707886"/>
           </a:xfrm>
           <a:prstGeom prst="rect">
             <a:avLst/>
@@ -5335,7 +5302,7 @@
           <a:lstStyle/>
           <a:p>
             <a:r>
-              <a:rPr lang="en-US" dirty="0" err="1" smtClean="0">
+              <a:rPr lang="en-US" sz="2000" dirty="0" err="1" smtClean="0">
                 <a:solidFill>
                   <a:srgbClr val="7F0055"/>
                 </a:solidFill>
@@ -5344,7 +5311,7 @@
               <a:t>var</a:t>
             </a:r>
             <a:r>
-              <a:rPr lang="en-US" dirty="0" smtClean="0">
+              <a:rPr lang="en-US" sz="2000" dirty="0" smtClean="0">
                 <a:solidFill>
                   <a:srgbClr val="000000"/>
                 </a:solidFill>
@@ -5353,7 +5320,7 @@
               <a:t> view = </a:t>
             </a:r>
             <a:r>
-              <a:rPr lang="en-US" dirty="0" smtClean="0">
+              <a:rPr lang="en-US" sz="2000" dirty="0" smtClean="0">
                 <a:solidFill>
                   <a:srgbClr val="7F0055"/>
                 </a:solidFill>
@@ -5362,7 +5329,7 @@
               <a:t>new</a:t>
             </a:r>
             <a:r>
-              <a:rPr lang="en-US" dirty="0" smtClean="0">
+              <a:rPr lang="en-US" sz="2000" dirty="0" smtClean="0">
                 <a:solidFill>
                   <a:srgbClr val="000000"/>
                 </a:solidFill>
@@ -5371,7 +5338,7 @@
               <a:t> </a:t>
             </a:r>
             <a:r>
-              <a:rPr lang="en-US" dirty="0" err="1" smtClean="0">
+              <a:rPr lang="en-US" sz="2000" dirty="0" err="1" smtClean="0">
                 <a:solidFill>
                   <a:srgbClr val="000000"/>
                 </a:solidFill>
@@ -5380,7 +5347,7 @@
               <a:t>PersonView</a:t>
             </a:r>
             <a:r>
-              <a:rPr lang="en-US" dirty="0" smtClean="0">
+              <a:rPr lang="en-US" sz="2000" dirty="0" smtClean="0">
                 <a:solidFill>
                   <a:srgbClr val="000000"/>
                 </a:solidFill>
@@ -5391,7 +5358,7 @@
           </a:p>
           <a:p>
             <a:r>
-              <a:rPr lang="en-US" dirty="0" smtClean="0">
+              <a:rPr lang="en-US" sz="2000" dirty="0" smtClean="0">
                 <a:solidFill>
                   <a:srgbClr val="000000"/>
                 </a:solidFill>
@@ -5400,7 +5367,7 @@
               <a:t>$(</a:t>
             </a:r>
             <a:r>
-              <a:rPr lang="en-US" dirty="0" smtClean="0">
+              <a:rPr lang="en-US" sz="2000" dirty="0" smtClean="0">
                 <a:solidFill>
                   <a:srgbClr val="2A00FF"/>
                 </a:solidFill>
@@ -5409,7 +5376,7 @@
               <a:t>'#main'</a:t>
             </a:r>
             <a:r>
-              <a:rPr lang="en-US" dirty="0" smtClean="0">
+              <a:rPr lang="en-US" sz="2000" dirty="0" smtClean="0">
                 <a:solidFill>
                   <a:srgbClr val="000000"/>
                 </a:solidFill>
@@ -5418,7 +5385,7 @@
               <a:t>).append( </a:t>
             </a:r>
             <a:r>
-              <a:rPr lang="en-US" dirty="0" err="1" smtClean="0">
+              <a:rPr lang="en-US" sz="2000" dirty="0" err="1" smtClean="0">
                 <a:solidFill>
                   <a:srgbClr val="000000"/>
                 </a:solidFill>
@@ -5427,7 +5394,7 @@
               <a:t>view.render</a:t>
             </a:r>
             <a:r>
-              <a:rPr lang="en-US" dirty="0" smtClean="0">
+              <a:rPr lang="en-US" sz="2000" dirty="0" smtClean="0">
                 <a:solidFill>
                   <a:srgbClr val="000000"/>
                 </a:solidFill>
@@ -5435,7 +5402,7 @@
               </a:rPr>
               <a:t>().el );</a:t>
             </a:r>
-            <a:endParaRPr lang="en-US" dirty="0"/>
+            <a:endParaRPr lang="en-US" sz="2000" dirty="0"/>
           </a:p>
         </p:txBody>
       </p:sp>
@@ -6064,16 +6031,7 @@
                 </a:solidFill>
                 <a:latin typeface="Consolas"/>
               </a:rPr>
-              <a:t>({</a:t>
-            </a:r>
-            <a:r>
-              <a:rPr lang="en-US" dirty="0" smtClean="0">
-                <a:solidFill>
-                  <a:srgbClr val="000000"/>
-                </a:solidFill>
-                <a:latin typeface="Consolas"/>
-              </a:rPr>
-              <a:t>model: </a:t>
+              <a:t>({model: </a:t>
             </a:r>
             <a:r>
               <a:rPr lang="en-US" dirty="0" err="1" smtClean="0">
@@ -6146,11 +6104,7 @@
             </a:br>
             <a:r>
               <a:rPr lang="en-US" sz="2400" dirty="0" smtClean="0"/>
-              <a:t> _.template</a:t>
-            </a:r>
-            <a:r>
-              <a:rPr lang="en-US" sz="2400" dirty="0" smtClean="0"/>
-              <a:t>()</a:t>
+              <a:t> _.template()</a:t>
             </a:r>
             <a:endParaRPr lang="en-US" dirty="0"/>
           </a:p>
@@ -6893,10 +6847,16 @@
           <a:lstStyle/>
           <a:p>
             <a:r>
-              <a:rPr lang="en-US" dirty="0" smtClean="0"/>
+              <a:rPr lang="en-US" dirty="0" smtClean="0">
+                <a:latin typeface="Times New Roman" pitchFamily="18" charset="0"/>
+                <a:cs typeface="Times New Roman" pitchFamily="18" charset="0"/>
+              </a:rPr>
               <a:t>User interaction</a:t>
             </a:r>
-            <a:endParaRPr lang="en-US" dirty="0"/>
+            <a:endParaRPr lang="en-US" dirty="0">
+              <a:latin typeface="Times New Roman" pitchFamily="18" charset="0"/>
+              <a:cs typeface="Times New Roman" pitchFamily="18" charset="0"/>
+            </a:endParaRPr>
           </a:p>
         </p:txBody>
       </p:sp>
@@ -7427,10 +7387,16 @@
           <a:lstStyle/>
           <a:p>
             <a:r>
-              <a:rPr lang="en-US" dirty="0" smtClean="0"/>
+              <a:rPr lang="en-US" dirty="0" smtClean="0">
+                <a:latin typeface="Times New Roman" pitchFamily="18" charset="0"/>
+                <a:cs typeface="Times New Roman" pitchFamily="18" charset="0"/>
+              </a:rPr>
               <a:t>Layout</a:t>
             </a:r>
-            <a:endParaRPr lang="en-US" dirty="0"/>
+            <a:endParaRPr lang="en-US" dirty="0">
+              <a:latin typeface="Times New Roman" pitchFamily="18" charset="0"/>
+              <a:cs typeface="Times New Roman" pitchFamily="18" charset="0"/>
+            </a:endParaRPr>
           </a:p>
         </p:txBody>
       </p:sp>
@@ -7449,7 +7415,62 @@
           <a:bodyPr/>
           <a:lstStyle/>
           <a:p>
-            <a:endParaRPr lang="en-US"/>
+            <a:r>
+              <a:rPr lang="en-US" dirty="0" smtClean="0">
+                <a:latin typeface="Times New Roman" pitchFamily="18" charset="0"/>
+                <a:cs typeface="Times New Roman" pitchFamily="18" charset="0"/>
+              </a:rPr>
+              <a:t>What is backbone.js?</a:t>
+            </a:r>
+          </a:p>
+          <a:p>
+            <a:r>
+              <a:rPr lang="en-US" dirty="0" smtClean="0">
+                <a:latin typeface="Times New Roman" pitchFamily="18" charset="0"/>
+                <a:cs typeface="Times New Roman" pitchFamily="18" charset="0"/>
+              </a:rPr>
+              <a:t>Model</a:t>
+            </a:r>
+          </a:p>
+          <a:p>
+            <a:r>
+              <a:rPr lang="en-US" dirty="0" smtClean="0">
+                <a:latin typeface="Times New Roman" pitchFamily="18" charset="0"/>
+                <a:cs typeface="Times New Roman" pitchFamily="18" charset="0"/>
+              </a:rPr>
+              <a:t>Collection</a:t>
+            </a:r>
+          </a:p>
+          <a:p>
+            <a:r>
+              <a:rPr lang="en-US" dirty="0" smtClean="0">
+                <a:latin typeface="Times New Roman" pitchFamily="18" charset="0"/>
+                <a:cs typeface="Times New Roman" pitchFamily="18" charset="0"/>
+              </a:rPr>
+              <a:t>View</a:t>
+            </a:r>
+          </a:p>
+          <a:p>
+            <a:r>
+              <a:rPr lang="en-US" dirty="0" smtClean="0">
+                <a:latin typeface="Times New Roman" pitchFamily="18" charset="0"/>
+                <a:cs typeface="Times New Roman" pitchFamily="18" charset="0"/>
+              </a:rPr>
+              <a:t>Template</a:t>
+            </a:r>
+          </a:p>
+          <a:p>
+            <a:r>
+              <a:rPr lang="en-US" dirty="0" smtClean="0">
+                <a:latin typeface="Times New Roman" pitchFamily="18" charset="0"/>
+                <a:cs typeface="Times New Roman" pitchFamily="18" charset="0"/>
+              </a:rPr>
+              <a:t>Route</a:t>
+            </a:r>
+            <a:endParaRPr lang="en-US" dirty="0">
+              <a:latin typeface="Times New Roman" pitchFamily="18" charset="0"/>
+              <a:cs typeface="Times New Roman" pitchFamily="18" charset="0"/>
+            </a:endParaRPr>
           </a:p>
         </p:txBody>
       </p:sp>
@@ -7494,10 +7515,16 @@
           <a:lstStyle/>
           <a:p>
             <a:r>
-              <a:rPr lang="en-US" dirty="0" smtClean="0"/>
+              <a:rPr lang="en-US" dirty="0" smtClean="0">
+                <a:latin typeface="Times New Roman" pitchFamily="18" charset="0"/>
+                <a:cs typeface="Times New Roman" pitchFamily="18" charset="0"/>
+              </a:rPr>
               <a:t>Router</a:t>
             </a:r>
-            <a:endParaRPr lang="en-US" dirty="0"/>
+            <a:endParaRPr lang="en-US" dirty="0">
+              <a:latin typeface="Times New Roman" pitchFamily="18" charset="0"/>
+              <a:cs typeface="Times New Roman" pitchFamily="18" charset="0"/>
+            </a:endParaRPr>
           </a:p>
         </p:txBody>
       </p:sp>
@@ -7509,28 +7536,30 @@
         </p:nvSpPr>
         <p:spPr>
           <a:xfrm>
-            <a:off x="2286000" y="2438400"/>
-            <a:ext cx="4572000" cy="923330"/>
+            <a:off x="914400" y="2438400"/>
+            <a:ext cx="7315200" cy="954107"/>
           </a:xfrm>
           <a:prstGeom prst="rect">
             <a:avLst/>
           </a:prstGeom>
         </p:spPr>
         <p:txBody>
-          <a:bodyPr>
+          <a:bodyPr wrap="square">
             <a:spAutoFit/>
           </a:bodyPr>
           <a:lstStyle/>
           <a:p>
             <a:r>
-              <a:rPr lang="en-US" dirty="0" smtClean="0"/>
-              <a:t>Provides </a:t>
-            </a:r>
-            <a:r>
-              <a:rPr lang="en-US" dirty="0" smtClean="0"/>
-              <a:t>methods for routing client-side pages, and connecting them to actions and events</a:t>
-            </a:r>
-            <a:endParaRPr lang="en-US" dirty="0"/>
+              <a:rPr lang="en-US" sz="2800" dirty="0" smtClean="0">
+                <a:latin typeface="Times New Roman" pitchFamily="18" charset="0"/>
+                <a:cs typeface="Times New Roman" pitchFamily="18" charset="0"/>
+              </a:rPr>
+              <a:t>Provides methods for routing client-side pages, and connecting them to actions and events</a:t>
+            </a:r>
+            <a:endParaRPr lang="en-US" sz="2800" dirty="0">
+              <a:latin typeface="Times New Roman" pitchFamily="18" charset="0"/>
+              <a:cs typeface="Times New Roman" pitchFamily="18" charset="0"/>
+            </a:endParaRPr>
           </a:p>
         </p:txBody>
       </p:sp>
@@ -7575,10 +7604,16 @@
           <a:lstStyle/>
           <a:p>
             <a:r>
-              <a:rPr lang="en-US" dirty="0" smtClean="0"/>
+              <a:rPr lang="en-US" dirty="0" smtClean="0">
+                <a:latin typeface="Times New Roman" pitchFamily="18" charset="0"/>
+                <a:cs typeface="Times New Roman" pitchFamily="18" charset="0"/>
+              </a:rPr>
               <a:t>How router work?</a:t>
             </a:r>
-            <a:endParaRPr lang="en-US" dirty="0"/>
+            <a:endParaRPr lang="en-US" dirty="0">
+              <a:latin typeface="Times New Roman" pitchFamily="18" charset="0"/>
+              <a:cs typeface="Times New Roman" pitchFamily="18" charset="0"/>
+            </a:endParaRPr>
           </a:p>
         </p:txBody>
       </p:sp>
@@ -7986,7 +8021,81 @@
           <a:bodyPr/>
           <a:lstStyle/>
           <a:p>
-            <a:endParaRPr lang="en-US" dirty="0"/>
+            <a:r>
+              <a:rPr lang="en-US" b="1" dirty="0" smtClean="0">
+                <a:latin typeface="Times New Roman" pitchFamily="18" charset="0"/>
+                <a:cs typeface="Times New Roman" pitchFamily="18" charset="0"/>
+              </a:rPr>
+              <a:t>THANK YOU</a:t>
+            </a:r>
+            <a:endParaRPr lang="en-US" dirty="0">
+              <a:latin typeface="Times New Roman" pitchFamily="18" charset="0"/>
+              <a:cs typeface="Times New Roman" pitchFamily="18" charset="0"/>
+            </a:endParaRPr>
+          </a:p>
+        </p:txBody>
+      </p:sp>
+      <p:sp>
+        <p:nvSpPr>
+          <p:cNvPr id="3" name="Content Placeholder 2"/>
+          <p:cNvSpPr>
+            <a:spLocks noGrp="1"/>
+          </p:cNvSpPr>
+          <p:nvPr>
+            <p:ph idx="1"/>
+          </p:nvPr>
+        </p:nvSpPr>
+        <p:spPr/>
+        <p:txBody>
+          <a:bodyPr>
+            <a:noAutofit/>
+          </a:bodyPr>
+          <a:lstStyle/>
+          <a:p>
+            <a:pPr>
+              <a:buNone/>
+            </a:pPr>
+            <a:r>
+              <a:rPr lang="en-US" sz="2400" dirty="0" smtClean="0">
+                <a:latin typeface="Times New Roman" pitchFamily="18" charset="0"/>
+                <a:cs typeface="Times New Roman" pitchFamily="18" charset="0"/>
+              </a:rPr>
+              <a:t>To learn more about underscore go to :</a:t>
+            </a:r>
+          </a:p>
+          <a:p>
+            <a:pPr>
+              <a:buNone/>
+            </a:pPr>
+            <a:r>
+              <a:rPr lang="en-US" sz="2400" dirty="0" smtClean="0">
+                <a:latin typeface="Times New Roman" pitchFamily="18" charset="0"/>
+                <a:cs typeface="Times New Roman" pitchFamily="18" charset="0"/>
+                <a:hlinkClick r:id="rId2"/>
+              </a:rPr>
+              <a:t>http://</a:t>
+            </a:r>
+            <a:r>
+              <a:rPr lang="en-US" sz="2400" dirty="0" smtClean="0">
+                <a:latin typeface="Times New Roman" pitchFamily="18" charset="0"/>
+                <a:cs typeface="Times New Roman" pitchFamily="18" charset="0"/>
+                <a:hlinkClick r:id="rId2"/>
+              </a:rPr>
+              <a:t>backbonejs.org</a:t>
+            </a:r>
+            <a:endParaRPr lang="en-US" sz="2400" dirty="0" smtClean="0">
+              <a:latin typeface="Times New Roman" pitchFamily="18" charset="0"/>
+              <a:cs typeface="Times New Roman" pitchFamily="18" charset="0"/>
+            </a:endParaRPr>
+          </a:p>
+          <a:p>
+            <a:pPr>
+              <a:buNone/>
+            </a:pPr>
+            <a:endParaRPr lang="en-US" sz="2400" dirty="0" smtClean="0">
+              <a:latin typeface="Times New Roman" pitchFamily="18" charset="0"/>
+              <a:cs typeface="Times New Roman" pitchFamily="18" charset="0"/>
+            </a:endParaRPr>
           </a:p>
         </p:txBody>
       </p:sp>
@@ -7995,6 +8104,13 @@
   <p:clrMapOvr>
     <a:masterClrMapping/>
   </p:clrMapOvr>
+  <p:timing>
+    <p:tnLst>
+      <p:par>
+        <p:cTn id="1" dur="indefinite" restart="never" nodeType="tmRoot"/>
+      </p:par>
+    </p:tnLst>
+  </p:timing>
 </p:sld>
 </file>
 
@@ -8031,10 +8147,16 @@
           <a:lstStyle/>
           <a:p>
             <a:r>
-              <a:rPr lang="en-US" dirty="0" smtClean="0"/>
+              <a:rPr lang="en-US" b="1" dirty="0" smtClean="0">
+                <a:latin typeface="Times New Roman" pitchFamily="18" charset="0"/>
+                <a:cs typeface="Times New Roman" pitchFamily="18" charset="0"/>
+              </a:rPr>
               <a:t>What is backbone.js?</a:t>
             </a:r>
-            <a:endParaRPr lang="en-US" dirty="0"/>
+            <a:endParaRPr lang="en-US" b="1" dirty="0">
+              <a:latin typeface="Times New Roman" pitchFamily="18" charset="0"/>
+              <a:cs typeface="Times New Roman" pitchFamily="18" charset="0"/>
+            </a:endParaRPr>
           </a:p>
         </p:txBody>
       </p:sp>
@@ -8057,74 +8179,44 @@
               <a:buNone/>
             </a:pPr>
             <a:r>
-              <a:rPr lang="en-US" i="1" dirty="0" smtClean="0"/>
-              <a:t>Backbone.js gives structure to </a:t>
-            </a:r>
-            <a:r>
-              <a:rPr lang="en-US" i="1" dirty="0" smtClean="0"/>
-              <a:t>web applications </a:t>
-            </a:r>
-            <a:r>
-              <a:rPr lang="en-US" i="1" dirty="0" smtClean="0"/>
-              <a:t>by providing models </a:t>
-            </a:r>
-            <a:r>
-              <a:rPr lang="en-US" i="1" dirty="0" smtClean="0"/>
-              <a:t>with </a:t>
-            </a:r>
-            <a:r>
-              <a:rPr lang="en-US" i="1" dirty="0" err="1" smtClean="0"/>
-              <a:t>keyvalue</a:t>
-            </a:r>
-            <a:r>
-              <a:rPr lang="en-US" i="1" dirty="0" smtClean="0"/>
-              <a:t> binding </a:t>
-            </a:r>
-            <a:r>
-              <a:rPr lang="en-US" i="1" dirty="0" smtClean="0"/>
-              <a:t>and custom events, </a:t>
-            </a:r>
-            <a:r>
-              <a:rPr lang="en-US" i="1" dirty="0" smtClean="0"/>
-              <a:t>collections with </a:t>
-            </a:r>
-            <a:r>
-              <a:rPr lang="en-US" i="1" dirty="0" smtClean="0"/>
-              <a:t>a rich API of enumerable </a:t>
-            </a:r>
-            <a:r>
-              <a:rPr lang="en-US" i="1" dirty="0" smtClean="0"/>
-              <a:t>functions, views </a:t>
-            </a:r>
-            <a:r>
-              <a:rPr lang="en-US" i="1" dirty="0" smtClean="0"/>
-              <a:t>with declarative event handling, </a:t>
-            </a:r>
-            <a:r>
-              <a:rPr lang="en-US" i="1" dirty="0" smtClean="0"/>
-              <a:t>and connects </a:t>
-            </a:r>
-            <a:r>
-              <a:rPr lang="en-US" i="1" dirty="0" smtClean="0"/>
-              <a:t>it all to your existing API over </a:t>
-            </a:r>
-            <a:r>
-              <a:rPr lang="en-US" i="1" dirty="0" smtClean="0"/>
-              <a:t>a </a:t>
-            </a:r>
-            <a:r>
-              <a:rPr lang="en-US" i="1" dirty="0" err="1" smtClean="0"/>
+              <a:rPr lang="en-US" i="1" dirty="0" smtClean="0">
+                <a:latin typeface="Times New Roman" pitchFamily="18" charset="0"/>
+                <a:cs typeface="Times New Roman" pitchFamily="18" charset="0"/>
+              </a:rPr>
+              <a:t>Backbone.js gives structure to web applications by providing models with </a:t>
+            </a:r>
+            <a:r>
+              <a:rPr lang="en-US" i="1" dirty="0" smtClean="0">
+                <a:latin typeface="Times New Roman" pitchFamily="18" charset="0"/>
+                <a:cs typeface="Times New Roman" pitchFamily="18" charset="0"/>
+              </a:rPr>
+              <a:t>key-value </a:t>
+            </a:r>
+            <a:r>
+              <a:rPr lang="en-US" i="1" dirty="0" smtClean="0">
+                <a:latin typeface="Times New Roman" pitchFamily="18" charset="0"/>
+                <a:cs typeface="Times New Roman" pitchFamily="18" charset="0"/>
+              </a:rPr>
+              <a:t>binding and custom events, collections with a rich API of enumerable functions, views with declarative event handling, and connects it all to your existing API over a </a:t>
+            </a:r>
+            <a:r>
+              <a:rPr lang="en-US" i="1" dirty="0" err="1" smtClean="0">
+                <a:latin typeface="Times New Roman" pitchFamily="18" charset="0"/>
+                <a:cs typeface="Times New Roman" pitchFamily="18" charset="0"/>
+              </a:rPr>
               <a:t>RESTful</a:t>
             </a:r>
             <a:r>
-              <a:rPr lang="en-US" i="1" dirty="0" smtClean="0"/>
-              <a:t> </a:t>
-            </a:r>
-            <a:r>
-              <a:rPr lang="en-US" i="1" dirty="0" smtClean="0"/>
-              <a:t>JSON interface.</a:t>
-            </a:r>
-            <a:endParaRPr lang="en-US" dirty="0"/>
+              <a:rPr lang="en-US" i="1" dirty="0" smtClean="0">
+                <a:latin typeface="Times New Roman" pitchFamily="18" charset="0"/>
+                <a:cs typeface="Times New Roman" pitchFamily="18" charset="0"/>
+              </a:rPr>
+              <a:t> JSON interface.</a:t>
+            </a:r>
+            <a:endParaRPr lang="en-US" dirty="0">
+              <a:latin typeface="Times New Roman" pitchFamily="18" charset="0"/>
+              <a:cs typeface="Times New Roman" pitchFamily="18" charset="0"/>
+            </a:endParaRPr>
           </a:p>
         </p:txBody>
       </p:sp>
@@ -8169,10 +8261,16 @@
           <a:lstStyle/>
           <a:p>
             <a:r>
-              <a:rPr lang="en-US" dirty="0" smtClean="0"/>
+              <a:rPr lang="en-US" b="1" dirty="0" smtClean="0">
+                <a:latin typeface="Times New Roman" pitchFamily="18" charset="0"/>
+                <a:cs typeface="Times New Roman" pitchFamily="18" charset="0"/>
+              </a:rPr>
               <a:t>Dependencies</a:t>
             </a:r>
-            <a:endParaRPr lang="en-US" dirty="0"/>
+            <a:endParaRPr lang="en-US" b="1" dirty="0">
+              <a:latin typeface="Times New Roman" pitchFamily="18" charset="0"/>
+              <a:cs typeface="Times New Roman" pitchFamily="18" charset="0"/>
+            </a:endParaRPr>
           </a:p>
         </p:txBody>
       </p:sp>
@@ -8192,35 +8290,48 @@
           <a:lstStyle/>
           <a:p>
             <a:r>
-              <a:rPr lang="en-US" dirty="0" smtClean="0"/>
+              <a:rPr lang="en-US" dirty="0" smtClean="0">
+                <a:latin typeface="Times New Roman" pitchFamily="18" charset="0"/>
+                <a:cs typeface="Times New Roman" pitchFamily="18" charset="0"/>
+              </a:rPr>
               <a:t>underscore.js / lo-dash.js</a:t>
             </a:r>
           </a:p>
           <a:p>
             <a:r>
-              <a:rPr lang="en-US" dirty="0" err="1" smtClean="0"/>
+              <a:rPr lang="en-US" dirty="0" err="1" smtClean="0">
+                <a:latin typeface="Times New Roman" pitchFamily="18" charset="0"/>
+                <a:cs typeface="Times New Roman" pitchFamily="18" charset="0"/>
+              </a:rPr>
               <a:t>jQuery</a:t>
             </a:r>
             <a:r>
-              <a:rPr lang="en-US" dirty="0" smtClean="0"/>
-              <a:t> </a:t>
-            </a:r>
-            <a:r>
-              <a:rPr lang="en-US" dirty="0" smtClean="0"/>
-              <a:t>/ </a:t>
-            </a:r>
-            <a:r>
-              <a:rPr lang="en-US" dirty="0" err="1" smtClean="0"/>
+              <a:rPr lang="en-US" dirty="0" smtClean="0">
+                <a:latin typeface="Times New Roman" pitchFamily="18" charset="0"/>
+                <a:cs typeface="Times New Roman" pitchFamily="18" charset="0"/>
+              </a:rPr>
+              <a:t> / </a:t>
+            </a:r>
+            <a:r>
+              <a:rPr lang="en-US" dirty="0" err="1" smtClean="0">
+                <a:latin typeface="Times New Roman" pitchFamily="18" charset="0"/>
+                <a:cs typeface="Times New Roman" pitchFamily="18" charset="0"/>
+              </a:rPr>
               <a:t>Zepto</a:t>
             </a:r>
-            <a:endParaRPr lang="en-US" dirty="0" smtClean="0"/>
-          </a:p>
-          <a:p>
-            <a:r>
-              <a:rPr lang="en-US" dirty="0" smtClean="0"/>
+            <a:endParaRPr lang="en-US" dirty="0" smtClean="0">
+              <a:latin typeface="Times New Roman" pitchFamily="18" charset="0"/>
+              <a:cs typeface="Times New Roman" pitchFamily="18" charset="0"/>
+            </a:endParaRPr>
+          </a:p>
+          <a:p>
+            <a:r>
+              <a:rPr lang="en-US" dirty="0" smtClean="0">
+                <a:latin typeface="Times New Roman" pitchFamily="18" charset="0"/>
+                <a:cs typeface="Times New Roman" pitchFamily="18" charset="0"/>
+              </a:rPr>
               <a:t>json2.js (Old IE)</a:t>
             </a:r>
-            <a:endParaRPr lang="en-US" dirty="0" smtClean="0"/>
           </a:p>
         </p:txBody>
       </p:sp>
@@ -8265,10 +8376,16 @@
           <a:lstStyle/>
           <a:p>
             <a:r>
-              <a:rPr lang="en-US" dirty="0" smtClean="0"/>
+              <a:rPr lang="en-US" b="1" dirty="0" smtClean="0">
+                <a:latin typeface="Times New Roman" pitchFamily="18" charset="0"/>
+                <a:cs typeface="Times New Roman" pitchFamily="18" charset="0"/>
+              </a:rPr>
               <a:t>MODELS</a:t>
             </a:r>
-            <a:endParaRPr lang="en-US" dirty="0"/>
+            <a:endParaRPr lang="en-US" b="1" dirty="0">
+              <a:latin typeface="Times New Roman" pitchFamily="18" charset="0"/>
+              <a:cs typeface="Times New Roman" pitchFamily="18" charset="0"/>
+            </a:endParaRPr>
           </a:p>
         </p:txBody>
       </p:sp>
@@ -8287,45 +8404,62 @@
           <a:bodyPr/>
           <a:lstStyle/>
           <a:p>
+            <a:pPr marL="0" indent="457200" algn="ctr">
+              <a:buNone/>
+            </a:pPr>
+            <a:r>
+              <a:rPr lang="en-US" i="1" dirty="0" smtClean="0">
+                <a:latin typeface="Times New Roman" pitchFamily="18" charset="0"/>
+                <a:cs typeface="Times New Roman" pitchFamily="18" charset="0"/>
+              </a:rPr>
+              <a:t>new </a:t>
+            </a:r>
+            <a:r>
+              <a:rPr lang="en-US" i="1" dirty="0" err="1" smtClean="0">
+                <a:latin typeface="Times New Roman" pitchFamily="18" charset="0"/>
+                <a:cs typeface="Times New Roman" pitchFamily="18" charset="0"/>
+              </a:rPr>
+              <a:t>Backbone.Model</a:t>
+            </a:r>
+            <a:r>
+              <a:rPr lang="en-US" i="1" dirty="0" smtClean="0">
+                <a:latin typeface="Times New Roman" pitchFamily="18" charset="0"/>
+                <a:cs typeface="Times New Roman" pitchFamily="18" charset="0"/>
+              </a:rPr>
+              <a:t>()</a:t>
+            </a:r>
+          </a:p>
+          <a:p>
             <a:pPr marL="0" indent="457200">
               <a:buNone/>
             </a:pPr>
-            <a:r>
-              <a:rPr lang="en-US" dirty="0" smtClean="0"/>
-              <a:t>new </a:t>
-            </a:r>
-            <a:r>
-              <a:rPr lang="en-US" dirty="0" err="1" smtClean="0"/>
-              <a:t>Backbone.Model</a:t>
-            </a:r>
-            <a:r>
-              <a:rPr lang="en-US" dirty="0" smtClean="0"/>
-              <a:t>()</a:t>
-            </a:r>
+            <a:endParaRPr lang="en-US" b="1" dirty="0" smtClean="0">
+              <a:latin typeface="Times New Roman" pitchFamily="18" charset="0"/>
+              <a:cs typeface="Times New Roman" pitchFamily="18" charset="0"/>
+            </a:endParaRPr>
           </a:p>
           <a:p>
             <a:pPr marL="0" indent="457200">
               <a:buNone/>
             </a:pPr>
-            <a:endParaRPr lang="en-US" b="1" dirty="0" smtClean="0"/>
-          </a:p>
-          <a:p>
-            <a:pPr marL="0" indent="457200">
-              <a:buNone/>
-            </a:pPr>
-            <a:r>
-              <a:rPr lang="en-US" b="1" dirty="0" smtClean="0"/>
+            <a:r>
+              <a:rPr lang="en-US" b="1" dirty="0" smtClean="0">
+                <a:latin typeface="Times New Roman" pitchFamily="18" charset="0"/>
+                <a:cs typeface="Times New Roman" pitchFamily="18" charset="0"/>
+              </a:rPr>
               <a:t>Models</a:t>
             </a:r>
             <a:r>
-              <a:rPr lang="en-US" dirty="0" smtClean="0"/>
-              <a:t> </a:t>
-            </a:r>
-            <a:r>
-              <a:rPr lang="en-US" dirty="0" smtClean="0"/>
-              <a:t>are the heart of any JavaScript application, containing the interactive data as well as a large part of the logic surrounding it: conversions, validations, computed properties, and access control. </a:t>
-            </a:r>
-            <a:endParaRPr lang="en-US" dirty="0"/>
+              <a:rPr lang="en-US" dirty="0" smtClean="0">
+                <a:latin typeface="Times New Roman" pitchFamily="18" charset="0"/>
+                <a:cs typeface="Times New Roman" pitchFamily="18" charset="0"/>
+              </a:rPr>
+              <a:t> are the heart of any JavaScript application, containing the interactive data as well as a large part of the logic surrounding it: conversions, validations, computed properties, and access control. </a:t>
+            </a:r>
+            <a:endParaRPr lang="en-US" dirty="0">
+              <a:latin typeface="Times New Roman" pitchFamily="18" charset="0"/>
+              <a:cs typeface="Times New Roman" pitchFamily="18" charset="0"/>
+            </a:endParaRPr>
           </a:p>
         </p:txBody>
       </p:sp>
@@ -8370,10 +8504,16 @@
           <a:lstStyle/>
           <a:p>
             <a:r>
-              <a:rPr lang="en-US" dirty="0" smtClean="0"/>
+              <a:rPr lang="en-US" dirty="0" smtClean="0">
+                <a:latin typeface="Times New Roman" pitchFamily="18" charset="0"/>
+                <a:cs typeface="Times New Roman" pitchFamily="18" charset="0"/>
+              </a:rPr>
               <a:t>Create model</a:t>
             </a:r>
-            <a:endParaRPr lang="en-US" dirty="0"/>
+            <a:endParaRPr lang="en-US" dirty="0">
+              <a:latin typeface="Times New Roman" pitchFamily="18" charset="0"/>
+              <a:cs typeface="Times New Roman" pitchFamily="18" charset="0"/>
+            </a:endParaRPr>
           </a:p>
         </p:txBody>
       </p:sp>
@@ -8706,10 +8846,16 @@
           <a:lstStyle/>
           <a:p>
             <a:r>
-              <a:rPr lang="en-US" dirty="0" smtClean="0"/>
+              <a:rPr lang="en-US" dirty="0" smtClean="0">
+                <a:latin typeface="Times New Roman" pitchFamily="18" charset="0"/>
+                <a:cs typeface="Times New Roman" pitchFamily="18" charset="0"/>
+              </a:rPr>
               <a:t>Action with model</a:t>
             </a:r>
-            <a:endParaRPr lang="en-US" dirty="0"/>
+            <a:endParaRPr lang="en-US" dirty="0">
+              <a:latin typeface="Times New Roman" pitchFamily="18" charset="0"/>
+              <a:cs typeface="Times New Roman" pitchFamily="18" charset="0"/>
+            </a:endParaRPr>
           </a:p>
         </p:txBody>
       </p:sp>
@@ -8722,7 +8868,7 @@
         <p:spPr>
           <a:xfrm>
             <a:off x="609600" y="1219200"/>
-            <a:ext cx="7924800" cy="5355312"/>
+            <a:ext cx="7924800" cy="4801314"/>
           </a:xfrm>
           <a:prstGeom prst="rect">
             <a:avLst/>
@@ -8910,46 +9056,6 @@
                 <a:latin typeface="Consolas"/>
               </a:rPr>
               <a:t>, 20);</a:t>
-            </a:r>
-          </a:p>
-          <a:p>
-            <a:r>
-              <a:rPr lang="en-US" dirty="0" err="1" smtClean="0">
-                <a:solidFill>
-                  <a:srgbClr val="000000"/>
-                </a:solidFill>
-                <a:latin typeface="Consolas"/>
-              </a:rPr>
-              <a:t>teo.changed</a:t>
-            </a:r>
-            <a:r>
-              <a:rPr lang="en-US" dirty="0" smtClean="0">
-                <a:solidFill>
-                  <a:srgbClr val="000000"/>
-                </a:solidFill>
-                <a:latin typeface="Consolas"/>
-              </a:rPr>
-              <a:t>;</a:t>
-            </a:r>
-          </a:p>
-          <a:p>
-            <a:r>
-              <a:rPr lang="en-US" dirty="0" err="1" smtClean="0">
-                <a:solidFill>
-                  <a:srgbClr val="000000"/>
-                </a:solidFill>
-                <a:latin typeface="Consolas"/>
-              </a:rPr>
-              <a:t>teo.previousAttributes</a:t>
-            </a:r>
-            <a:r>
-              <a:rPr lang="en-US" dirty="0" smtClean="0">
-                <a:solidFill>
-                  <a:srgbClr val="000000"/>
-                </a:solidFill>
-                <a:latin typeface="Consolas"/>
-              </a:rPr>
-              <a:t>();</a:t>
             </a:r>
           </a:p>
           <a:p>
@@ -9240,10 +9346,16 @@
           <a:lstStyle/>
           <a:p>
             <a:r>
-              <a:rPr lang="en-US" dirty="0" smtClean="0"/>
+              <a:rPr lang="en-US" dirty="0" smtClean="0">
+                <a:latin typeface="Times New Roman" pitchFamily="18" charset="0"/>
+                <a:cs typeface="Times New Roman" pitchFamily="18" charset="0"/>
+              </a:rPr>
               <a:t>Work with backend</a:t>
             </a:r>
-            <a:endParaRPr lang="en-US" dirty="0"/>
+            <a:endParaRPr lang="en-US" dirty="0">
+              <a:latin typeface="Times New Roman" pitchFamily="18" charset="0"/>
+              <a:cs typeface="Times New Roman" pitchFamily="18" charset="0"/>
+            </a:endParaRPr>
           </a:p>
         </p:txBody>
       </p:sp>
@@ -9661,10 +9773,16 @@
           <a:lstStyle/>
           <a:p>
             <a:r>
-              <a:rPr lang="en-US" dirty="0" smtClean="0"/>
+              <a:rPr lang="en-US" b="1" dirty="0" smtClean="0">
+                <a:latin typeface="Times New Roman" pitchFamily="18" charset="0"/>
+                <a:cs typeface="Times New Roman" pitchFamily="18" charset="0"/>
+              </a:rPr>
               <a:t>COLLECTION</a:t>
             </a:r>
-            <a:endParaRPr lang="en-US" dirty="0"/>
+            <a:endParaRPr lang="en-US" b="1" dirty="0">
+              <a:latin typeface="Times New Roman" pitchFamily="18" charset="0"/>
+              <a:cs typeface="Times New Roman" pitchFamily="18" charset="0"/>
+            </a:endParaRPr>
           </a:p>
         </p:txBody>
       </p:sp>
@@ -9676,8 +9794,8 @@
         </p:nvSpPr>
         <p:spPr>
           <a:xfrm>
-            <a:off x="2511179" y="2286000"/>
-            <a:ext cx="4121641" cy="923330"/>
+            <a:off x="1600199" y="2286000"/>
+            <a:ext cx="5943602" cy="1200329"/>
           </a:xfrm>
           <a:prstGeom prst="rect">
             <a:avLst/>
@@ -9689,68 +9807,78 @@
           </a:bodyPr>
           <a:lstStyle/>
           <a:p>
-            <a:r>
-              <a:rPr lang="en-US" b="1" dirty="0" smtClean="0">
+            <a:pPr algn="ctr"/>
+            <a:r>
+              <a:rPr lang="en-US" sz="2400" b="1" dirty="0" smtClean="0">
                 <a:solidFill>
                   <a:srgbClr val="7F0055"/>
                 </a:solidFill>
                 <a:highlight>
                   <a:srgbClr val="E8F2FE"/>
                 </a:highlight>
-                <a:latin typeface="Consolas"/>
+                <a:latin typeface="Times New Roman" pitchFamily="18" charset="0"/>
+                <a:cs typeface="Times New Roman" pitchFamily="18" charset="0"/>
               </a:rPr>
               <a:t>new</a:t>
             </a:r>
             <a:r>
-              <a:rPr lang="en-US" b="1" dirty="0" smtClean="0">
+              <a:rPr lang="en-US" sz="2400" b="1" dirty="0" smtClean="0">
                 <a:solidFill>
                   <a:srgbClr val="000000"/>
                 </a:solidFill>
                 <a:highlight>
                   <a:srgbClr val="E8F2FE"/>
                 </a:highlight>
-                <a:latin typeface="Consolas"/>
+                <a:latin typeface="Times New Roman" pitchFamily="18" charset="0"/>
+                <a:cs typeface="Times New Roman" pitchFamily="18" charset="0"/>
               </a:rPr>
               <a:t> </a:t>
             </a:r>
             <a:r>
-              <a:rPr lang="en-US" b="1" dirty="0" err="1" smtClean="0">
+              <a:rPr lang="en-US" sz="2400" b="1" dirty="0" err="1" smtClean="0">
                 <a:solidFill>
                   <a:srgbClr val="000000"/>
                 </a:solidFill>
                 <a:highlight>
                   <a:srgbClr val="E8F2FE"/>
                 </a:highlight>
-                <a:latin typeface="Consolas"/>
+                <a:latin typeface="Times New Roman" pitchFamily="18" charset="0"/>
+                <a:cs typeface="Times New Roman" pitchFamily="18" charset="0"/>
               </a:rPr>
               <a:t>Backbone.Collection</a:t>
             </a:r>
             <a:r>
-              <a:rPr lang="en-US" b="1" dirty="0" smtClean="0">
+              <a:rPr lang="en-US" sz="2400" b="1" dirty="0" smtClean="0">
                 <a:solidFill>
                   <a:srgbClr val="000000"/>
                 </a:solidFill>
                 <a:highlight>
                   <a:srgbClr val="E8F2FE"/>
                 </a:highlight>
-                <a:latin typeface="Consolas"/>
+                <a:latin typeface="Times New Roman" pitchFamily="18" charset="0"/>
+                <a:cs typeface="Times New Roman" pitchFamily="18" charset="0"/>
               </a:rPr>
               <a:t>()</a:t>
             </a:r>
           </a:p>
           <a:p>
-            <a:endParaRPr lang="en-US" dirty="0" smtClean="0"/>
-          </a:p>
-          <a:p>
-            <a:r>
-              <a:rPr lang="en-US" dirty="0" smtClean="0"/>
-              <a:t>Collections </a:t>
-            </a:r>
-            <a:r>
-              <a:rPr lang="en-US" dirty="0" smtClean="0"/>
-              <a:t>are ordered sets of models</a:t>
-            </a:r>
-            <a:endParaRPr lang="en-US" dirty="0"/>
+            <a:endParaRPr lang="en-US" sz="2400" dirty="0" smtClean="0">
+              <a:latin typeface="Times New Roman" pitchFamily="18" charset="0"/>
+              <a:cs typeface="Times New Roman" pitchFamily="18" charset="0"/>
+            </a:endParaRPr>
+          </a:p>
+          <a:p>
+            <a:r>
+              <a:rPr lang="en-US" sz="2400" dirty="0" smtClean="0">
+                <a:latin typeface="Times New Roman" pitchFamily="18" charset="0"/>
+                <a:cs typeface="Times New Roman" pitchFamily="18" charset="0"/>
+              </a:rPr>
+              <a:t>Collections are ordered sets of models</a:t>
+            </a:r>
+            <a:endParaRPr lang="en-US" sz="2400" dirty="0">
+              <a:latin typeface="Times New Roman" pitchFamily="18" charset="0"/>
+              <a:cs typeface="Times New Roman" pitchFamily="18" charset="0"/>
+            </a:endParaRPr>
           </a:p>
         </p:txBody>
       </p:sp>
